--- a/images/Workflow_Datenanalyse.pptx
+++ b/images/Workflow_Datenanalyse.pptx
@@ -5,13 +5,14 @@
     <p:sldMasterId id="2147483660" r:id="rId1"/>
   </p:sldMasterIdLst>
   <p:notesMasterIdLst>
-    <p:notesMasterId r:id="rId3"/>
+    <p:notesMasterId r:id="rId4"/>
   </p:notesMasterIdLst>
   <p:handoutMasterIdLst>
-    <p:handoutMasterId r:id="rId4"/>
+    <p:handoutMasterId r:id="rId5"/>
   </p:handoutMasterIdLst>
   <p:sldIdLst>
     <p:sldId id="257" r:id="rId2"/>
+    <p:sldId id="258" r:id="rId3"/>
   </p:sldIdLst>
   <p:sldSz cx="12192000" cy="6858000"/>
   <p:notesSz cx="9926638" cy="6797675"/>
@@ -234,7 +235,7 @@
           <a:p>
             <a:fld id="{0D0BC2D3-C2A7-47C3-90FD-EBB22447478D}" type="datetimeFigureOut">
               <a:rPr lang="de-DE" smtClean="0"/>
-              <a:t>05.11.2020</a:t>
+              <a:t>06.11.2020</a:t>
             </a:fld>
             <a:endParaRPr lang="de-DE"/>
           </a:p>
@@ -452,7 +453,7 @@
           <a:p>
             <a:fld id="{6C0C46B0-EFD9-4439-A7DD-5A6E3D3A8873}" type="datetimeFigureOut">
               <a:rPr lang="de-DE" smtClean="0"/>
-              <a:t>05.11.2020</a:t>
+              <a:t>06.11.2020</a:t>
             </a:fld>
             <a:endParaRPr lang="de-DE"/>
           </a:p>
@@ -7074,6 +7075,830 @@
     <p:extLst>
       <p:ext uri="{BB962C8B-B14F-4D97-AF65-F5344CB8AC3E}">
         <p14:creationId xmlns:p14="http://schemas.microsoft.com/office/powerpoint/2010/main" val="3352278557"/>
+      </p:ext>
+    </p:extLst>
+  </p:cSld>
+  <p:clrMapOvr>
+    <a:masterClrMapping/>
+  </p:clrMapOvr>
+</p:sld>
+</file>
+
+<file path=ppt/slides/slide2.xml><?xml version="1.0" encoding="utf-8"?>
+<p:sld xmlns:a="http://schemas.openxmlformats.org/drawingml/2006/main" xmlns:r="http://schemas.openxmlformats.org/officeDocument/2006/relationships" xmlns:p="http://schemas.openxmlformats.org/presentationml/2006/main">
+  <p:cSld>
+    <p:spTree>
+      <p:nvGrpSpPr>
+        <p:cNvPr id="1" name=""/>
+        <p:cNvGrpSpPr/>
+        <p:nvPr/>
+      </p:nvGrpSpPr>
+      <p:grpSpPr>
+        <a:xfrm>
+          <a:off x="0" y="0"/>
+          <a:ext cx="0" cy="0"/>
+          <a:chOff x="0" y="0"/>
+          <a:chExt cx="0" cy="0"/>
+        </a:xfrm>
+      </p:grpSpPr>
+      <p:sp>
+        <p:nvSpPr>
+          <p:cNvPr id="2" name="Foliennummernplatzhalter 1">
+            <a:extLst>
+              <a:ext uri="{FF2B5EF4-FFF2-40B4-BE49-F238E27FC236}">
+                <a16:creationId xmlns:a16="http://schemas.microsoft.com/office/drawing/2014/main" id="{56EB0853-5F9F-4E0C-8262-193B96158678}"/>
+              </a:ext>
+            </a:extLst>
+          </p:cNvPr>
+          <p:cNvSpPr>
+            <a:spLocks noGrp="1"/>
+          </p:cNvSpPr>
+          <p:nvPr>
+            <p:ph type="sldNum" sz="quarter" idx="19"/>
+          </p:nvPr>
+        </p:nvSpPr>
+        <p:spPr/>
+        <p:txBody>
+          <a:bodyPr/>
+          <a:lstStyle/>
+          <a:p>
+            <a:fld id="{4D8F3D2B-F07B-4D7B-B9C5-0D64AFCC6303}" type="slidenum">
+              <a:rPr lang="de-DE" smtClean="0"/>
+              <a:t>2</a:t>
+            </a:fld>
+            <a:endParaRPr lang="de-DE"/>
+          </a:p>
+        </p:txBody>
+      </p:sp>
+      <p:sp>
+        <p:nvSpPr>
+          <p:cNvPr id="3" name="Fußzeilenplatzhalter 2">
+            <a:extLst>
+              <a:ext uri="{FF2B5EF4-FFF2-40B4-BE49-F238E27FC236}">
+                <a16:creationId xmlns:a16="http://schemas.microsoft.com/office/drawing/2014/main" id="{BA381B00-C9B1-4604-8650-B232436E6E8F}"/>
+              </a:ext>
+            </a:extLst>
+          </p:cNvPr>
+          <p:cNvSpPr>
+            <a:spLocks noGrp="1"/>
+          </p:cNvSpPr>
+          <p:nvPr>
+            <p:ph type="ftr" sz="quarter" idx="18"/>
+          </p:nvPr>
+        </p:nvSpPr>
+        <p:spPr/>
+        <p:txBody>
+          <a:bodyPr/>
+          <a:lstStyle/>
+          <a:p>
+            <a:r>
+              <a:rPr lang="nb-NO"/>
+              <a:t>Pekka Sagner | 30. Oktober 2020</a:t>
+            </a:r>
+            <a:endParaRPr lang="de-DE"/>
+          </a:p>
+        </p:txBody>
+      </p:sp>
+      <p:sp>
+        <p:nvSpPr>
+          <p:cNvPr id="4" name="Textplatzhalter 3">
+            <a:extLst>
+              <a:ext uri="{FF2B5EF4-FFF2-40B4-BE49-F238E27FC236}">
+                <a16:creationId xmlns:a16="http://schemas.microsoft.com/office/drawing/2014/main" id="{8D0A5F4A-0666-4026-B1B3-EA30C9984CC6}"/>
+              </a:ext>
+            </a:extLst>
+          </p:cNvPr>
+          <p:cNvSpPr>
+            <a:spLocks noGrp="1"/>
+          </p:cNvSpPr>
+          <p:nvPr>
+            <p:ph type="body" sz="quarter" idx="17"/>
+          </p:nvPr>
+        </p:nvSpPr>
+        <p:spPr/>
+        <p:txBody>
+          <a:bodyPr/>
+          <a:lstStyle/>
+          <a:p>
+            <a:endParaRPr lang="de-DE" dirty="0"/>
+          </a:p>
+        </p:txBody>
+      </p:sp>
+      <p:sp>
+        <p:nvSpPr>
+          <p:cNvPr id="6" name="Textplatzhalter 5">
+            <a:extLst>
+              <a:ext uri="{FF2B5EF4-FFF2-40B4-BE49-F238E27FC236}">
+                <a16:creationId xmlns:a16="http://schemas.microsoft.com/office/drawing/2014/main" id="{246F295F-7FE7-4902-BF9A-4F6CF0CD4F05}"/>
+              </a:ext>
+            </a:extLst>
+          </p:cNvPr>
+          <p:cNvSpPr>
+            <a:spLocks noGrp="1"/>
+          </p:cNvSpPr>
+          <p:nvPr>
+            <p:ph type="body" sz="quarter" idx="13"/>
+          </p:nvPr>
+        </p:nvSpPr>
+        <p:spPr/>
+        <p:txBody>
+          <a:bodyPr/>
+          <a:lstStyle/>
+          <a:p>
+            <a:endParaRPr lang="de-DE"/>
+          </a:p>
+        </p:txBody>
+      </p:sp>
+      <p:sp>
+        <p:nvSpPr>
+          <p:cNvPr id="7" name="Titel 6">
+            <a:extLst>
+              <a:ext uri="{FF2B5EF4-FFF2-40B4-BE49-F238E27FC236}">
+                <a16:creationId xmlns:a16="http://schemas.microsoft.com/office/drawing/2014/main" id="{89EEE1F4-3338-4AE0-BCB2-23760E96A259}"/>
+              </a:ext>
+            </a:extLst>
+          </p:cNvPr>
+          <p:cNvSpPr>
+            <a:spLocks noGrp="1"/>
+          </p:cNvSpPr>
+          <p:nvPr>
+            <p:ph type="title"/>
+          </p:nvPr>
+        </p:nvSpPr>
+        <p:spPr/>
+        <p:txBody>
+          <a:bodyPr/>
+          <a:lstStyle/>
+          <a:p>
+            <a:endParaRPr lang="de-DE"/>
+          </a:p>
+        </p:txBody>
+      </p:sp>
+      <p:grpSp>
+        <p:nvGrpSpPr>
+          <p:cNvPr id="13" name="Gruppieren 12">
+            <a:extLst>
+              <a:ext uri="{FF2B5EF4-FFF2-40B4-BE49-F238E27FC236}">
+                <a16:creationId xmlns:a16="http://schemas.microsoft.com/office/drawing/2014/main" id="{D06B96A9-7B05-4BCD-B657-E1E41EFAF7EB}"/>
+              </a:ext>
+            </a:extLst>
+          </p:cNvPr>
+          <p:cNvGrpSpPr/>
+          <p:nvPr/>
+        </p:nvGrpSpPr>
+        <p:grpSpPr>
+          <a:xfrm>
+            <a:off x="686357" y="2158831"/>
+            <a:ext cx="10585207" cy="2748147"/>
+            <a:chOff x="686357" y="2158831"/>
+            <a:chExt cx="10585207" cy="2748147"/>
+          </a:xfrm>
+        </p:grpSpPr>
+        <p:sp>
+          <p:nvSpPr>
+            <p:cNvPr id="19" name="Pfeil: nach rechts 18">
+              <a:extLst>
+                <a:ext uri="{FF2B5EF4-FFF2-40B4-BE49-F238E27FC236}">
+                  <a16:creationId xmlns:a16="http://schemas.microsoft.com/office/drawing/2014/main" id="{BE3226B3-39AA-4EE9-BE6B-65C320F5724B}"/>
+                </a:ext>
+              </a:extLst>
+            </p:cNvPr>
+            <p:cNvSpPr/>
+            <p:nvPr/>
+          </p:nvSpPr>
+          <p:spPr>
+            <a:xfrm>
+              <a:off x="686357" y="3306482"/>
+              <a:ext cx="4728288" cy="484632"/>
+            </a:xfrm>
+            <a:prstGeom prst="rightArrow">
+              <a:avLst/>
+            </a:prstGeom>
+            <a:noFill/>
+            <a:ln w="9525" cap="flat" cmpd="sng" algn="ctr">
+              <a:solidFill>
+                <a:schemeClr val="accent1"/>
+              </a:solidFill>
+              <a:prstDash val="solid"/>
+              <a:round/>
+              <a:headEnd type="none" w="med" len="med"/>
+              <a:tailEnd type="none" w="med" len="med"/>
+            </a:ln>
+          </p:spPr>
+          <p:style>
+            <a:lnRef idx="0">
+              <a:scrgbClr r="0" g="0" b="0"/>
+            </a:lnRef>
+            <a:fillRef idx="0">
+              <a:scrgbClr r="0" g="0" b="0"/>
+            </a:fillRef>
+            <a:effectRef idx="0">
+              <a:scrgbClr r="0" g="0" b="0"/>
+            </a:effectRef>
+            <a:fontRef idx="minor">
+              <a:schemeClr val="accent1"/>
+            </a:fontRef>
+          </p:style>
+          <p:txBody>
+            <a:bodyPr rot="0" spcFirstLastPara="0" vertOverflow="overflow" horzOverflow="overflow" vert="horz" wrap="square" lIns="72000" tIns="72000" rIns="72000" bIns="72000" numCol="1" spcCol="0" rtlCol="0" fromWordArt="0" anchor="ctr" anchorCtr="0" forceAA="0" compatLnSpc="1">
+              <a:prstTxWarp prst="textNoShape">
+                <a:avLst/>
+              </a:prstTxWarp>
+              <a:noAutofit/>
+            </a:bodyPr>
+            <a:lstStyle/>
+            <a:p>
+              <a:pPr algn="ctr"/>
+              <a:endParaRPr lang="de-DE" sz="2000" dirty="0"/>
+            </a:p>
+          </p:txBody>
+        </p:sp>
+        <p:sp>
+          <p:nvSpPr>
+            <p:cNvPr id="20" name="Ellipse 19">
+              <a:extLst>
+                <a:ext uri="{FF2B5EF4-FFF2-40B4-BE49-F238E27FC236}">
+                  <a16:creationId xmlns:a16="http://schemas.microsoft.com/office/drawing/2014/main" id="{A40313A6-3CB7-478F-A437-39C9797F9805}"/>
+                </a:ext>
+              </a:extLst>
+            </p:cNvPr>
+            <p:cNvSpPr/>
+            <p:nvPr/>
+          </p:nvSpPr>
+          <p:spPr>
+            <a:xfrm>
+              <a:off x="6132887" y="2231258"/>
+              <a:ext cx="3598752" cy="2390115"/>
+            </a:xfrm>
+            <a:prstGeom prst="ellipse">
+              <a:avLst/>
+            </a:prstGeom>
+            <a:noFill/>
+            <a:ln w="9525" cap="flat" cmpd="sng" algn="ctr">
+              <a:solidFill>
+                <a:schemeClr val="accent1"/>
+              </a:solidFill>
+              <a:prstDash val="solid"/>
+              <a:round/>
+              <a:headEnd type="none" w="med" len="med"/>
+              <a:tailEnd type="none" w="med" len="med"/>
+            </a:ln>
+          </p:spPr>
+          <p:style>
+            <a:lnRef idx="0">
+              <a:scrgbClr r="0" g="0" b="0"/>
+            </a:lnRef>
+            <a:fillRef idx="0">
+              <a:scrgbClr r="0" g="0" b="0"/>
+            </a:fillRef>
+            <a:effectRef idx="0">
+              <a:scrgbClr r="0" g="0" b="0"/>
+            </a:effectRef>
+            <a:fontRef idx="minor">
+              <a:schemeClr val="accent1"/>
+            </a:fontRef>
+          </p:style>
+          <p:txBody>
+            <a:bodyPr rot="0" spcFirstLastPara="0" vertOverflow="overflow" horzOverflow="overflow" vert="horz" wrap="square" lIns="72000" tIns="72000" rIns="72000" bIns="72000" numCol="1" spcCol="0" rtlCol="0" fromWordArt="0" anchor="ctr" anchorCtr="0" forceAA="0" compatLnSpc="1">
+              <a:prstTxWarp prst="textNoShape">
+                <a:avLst/>
+              </a:prstTxWarp>
+              <a:noAutofit/>
+            </a:bodyPr>
+            <a:lstStyle/>
+            <a:p>
+              <a:pPr algn="ctr"/>
+              <a:endParaRPr lang="de-DE" sz="2000" dirty="0"/>
+            </a:p>
+          </p:txBody>
+        </p:sp>
+        <p:sp>
+          <p:nvSpPr>
+            <p:cNvPr id="8" name="Rechteck 7">
+              <a:extLst>
+                <a:ext uri="{FF2B5EF4-FFF2-40B4-BE49-F238E27FC236}">
+                  <a16:creationId xmlns:a16="http://schemas.microsoft.com/office/drawing/2014/main" id="{EA019127-157F-4619-9CE6-E44E2706D1A6}"/>
+                </a:ext>
+              </a:extLst>
+            </p:cNvPr>
+            <p:cNvSpPr/>
+            <p:nvPr/>
+          </p:nvSpPr>
+          <p:spPr>
+            <a:xfrm>
+              <a:off x="1004935" y="3078178"/>
+              <a:ext cx="1050202" cy="914400"/>
+            </a:xfrm>
+            <a:prstGeom prst="rect">
+              <a:avLst/>
+            </a:prstGeom>
+            <a:ln>
+              <a:noFill/>
+            </a:ln>
+          </p:spPr>
+          <p:style>
+            <a:lnRef idx="2">
+              <a:schemeClr val="accent1">
+                <a:shade val="50000"/>
+              </a:schemeClr>
+            </a:lnRef>
+            <a:fillRef idx="1">
+              <a:schemeClr val="accent1"/>
+            </a:fillRef>
+            <a:effectRef idx="0">
+              <a:schemeClr val="accent1"/>
+            </a:effectRef>
+            <a:fontRef idx="minor">
+              <a:schemeClr val="lt1"/>
+            </a:fontRef>
+          </p:style>
+          <p:txBody>
+            <a:bodyPr rot="0" spcFirstLastPara="0" vertOverflow="overflow" horzOverflow="overflow" vert="horz" wrap="square" lIns="72000" tIns="72000" rIns="72000" bIns="72000" numCol="1" spcCol="0" rtlCol="0" fromWordArt="0" anchor="ctr" anchorCtr="0" forceAA="0" compatLnSpc="1">
+              <a:prstTxWarp prst="textNoShape">
+                <a:avLst/>
+              </a:prstTxWarp>
+              <a:noAutofit/>
+            </a:bodyPr>
+            <a:lstStyle/>
+            <a:p>
+              <a:pPr algn="ctr"/>
+              <a:r>
+                <a:rPr lang="de-DE" sz="2000" dirty="0"/>
+                <a:t>Einlesen</a:t>
+              </a:r>
+            </a:p>
+          </p:txBody>
+        </p:sp>
+        <p:sp>
+          <p:nvSpPr>
+            <p:cNvPr id="10" name="Rechteck 9">
+              <a:extLst>
+                <a:ext uri="{FF2B5EF4-FFF2-40B4-BE49-F238E27FC236}">
+                  <a16:creationId xmlns:a16="http://schemas.microsoft.com/office/drawing/2014/main" id="{3C1CD2E9-BD33-468C-983F-6514A54DC503}"/>
+                </a:ext>
+              </a:extLst>
+            </p:cNvPr>
+            <p:cNvSpPr/>
+            <p:nvPr/>
+          </p:nvSpPr>
+          <p:spPr>
+            <a:xfrm>
+              <a:off x="2263595" y="3992578"/>
+              <a:ext cx="1050202" cy="914400"/>
+            </a:xfrm>
+            <a:prstGeom prst="rect">
+              <a:avLst/>
+            </a:prstGeom>
+            <a:ln>
+              <a:noFill/>
+            </a:ln>
+          </p:spPr>
+          <p:style>
+            <a:lnRef idx="2">
+              <a:schemeClr val="accent1">
+                <a:shade val="50000"/>
+              </a:schemeClr>
+            </a:lnRef>
+            <a:fillRef idx="1">
+              <a:schemeClr val="accent1"/>
+            </a:fillRef>
+            <a:effectRef idx="0">
+              <a:schemeClr val="accent1"/>
+            </a:effectRef>
+            <a:fontRef idx="minor">
+              <a:schemeClr val="lt1"/>
+            </a:fontRef>
+          </p:style>
+          <p:txBody>
+            <a:bodyPr rot="0" spcFirstLastPara="0" vertOverflow="overflow" horzOverflow="overflow" vert="horz" wrap="square" lIns="72000" tIns="72000" rIns="72000" bIns="72000" numCol="1" spcCol="0" rtlCol="0" fromWordArt="0" anchor="ctr" anchorCtr="0" forceAA="0" compatLnSpc="1">
+              <a:prstTxWarp prst="textNoShape">
+                <a:avLst/>
+              </a:prstTxWarp>
+              <a:noAutofit/>
+            </a:bodyPr>
+            <a:lstStyle/>
+            <a:p>
+              <a:pPr algn="ctr"/>
+              <a:r>
+                <a:rPr lang="de-DE" sz="2000" dirty="0"/>
+                <a:t>Säubern</a:t>
+              </a:r>
+            </a:p>
+          </p:txBody>
+        </p:sp>
+        <p:sp>
+          <p:nvSpPr>
+            <p:cNvPr id="12" name="Rechteck 11">
+              <a:extLst>
+                <a:ext uri="{FF2B5EF4-FFF2-40B4-BE49-F238E27FC236}">
+                  <a16:creationId xmlns:a16="http://schemas.microsoft.com/office/drawing/2014/main" id="{55CDC0AE-CDBB-45DB-A98D-B9A2C27A5A68}"/>
+                </a:ext>
+              </a:extLst>
+            </p:cNvPr>
+            <p:cNvSpPr/>
+            <p:nvPr/>
+          </p:nvSpPr>
+          <p:spPr>
+            <a:xfrm>
+              <a:off x="5564026" y="3073231"/>
+              <a:ext cx="1397253" cy="914400"/>
+            </a:xfrm>
+            <a:prstGeom prst="rect">
+              <a:avLst/>
+            </a:prstGeom>
+            <a:ln>
+              <a:noFill/>
+            </a:ln>
+          </p:spPr>
+          <p:style>
+            <a:lnRef idx="2">
+              <a:schemeClr val="accent1">
+                <a:shade val="50000"/>
+              </a:schemeClr>
+            </a:lnRef>
+            <a:fillRef idx="1">
+              <a:schemeClr val="accent1"/>
+            </a:fillRef>
+            <a:effectRef idx="0">
+              <a:schemeClr val="accent1"/>
+            </a:effectRef>
+            <a:fontRef idx="minor">
+              <a:schemeClr val="lt1"/>
+            </a:fontRef>
+          </p:style>
+          <p:txBody>
+            <a:bodyPr rot="0" spcFirstLastPara="0" vertOverflow="overflow" horzOverflow="overflow" vert="horz" wrap="square" lIns="72000" tIns="72000" rIns="72000" bIns="72000" numCol="1" spcCol="0" rtlCol="0" fromWordArt="0" anchor="ctr" anchorCtr="0" forceAA="0" compatLnSpc="1">
+              <a:prstTxWarp prst="textNoShape">
+                <a:avLst/>
+              </a:prstTxWarp>
+              <a:noAutofit/>
+            </a:bodyPr>
+            <a:lstStyle/>
+            <a:p>
+              <a:pPr algn="ctr"/>
+              <a:r>
+                <a:rPr lang="de-DE" sz="2000" dirty="0"/>
+                <a:t>Analysieren</a:t>
+              </a:r>
+            </a:p>
+          </p:txBody>
+        </p:sp>
+        <p:sp>
+          <p:nvSpPr>
+            <p:cNvPr id="14" name="Rechteck 13">
+              <a:extLst>
+                <a:ext uri="{FF2B5EF4-FFF2-40B4-BE49-F238E27FC236}">
+                  <a16:creationId xmlns:a16="http://schemas.microsoft.com/office/drawing/2014/main" id="{8E25A4A7-D1D4-4F12-9789-1A0613FCE81F}"/>
+                </a:ext>
+              </a:extLst>
+            </p:cNvPr>
+            <p:cNvSpPr/>
+            <p:nvPr/>
+          </p:nvSpPr>
+          <p:spPr>
+            <a:xfrm>
+              <a:off x="7110660" y="2158831"/>
+              <a:ext cx="1756078" cy="914400"/>
+            </a:xfrm>
+            <a:prstGeom prst="rect">
+              <a:avLst/>
+            </a:prstGeom>
+            <a:ln>
+              <a:noFill/>
+            </a:ln>
+          </p:spPr>
+          <p:style>
+            <a:lnRef idx="2">
+              <a:schemeClr val="accent1">
+                <a:shade val="50000"/>
+              </a:schemeClr>
+            </a:lnRef>
+            <a:fillRef idx="1">
+              <a:schemeClr val="accent1"/>
+            </a:fillRef>
+            <a:effectRef idx="0">
+              <a:schemeClr val="accent1"/>
+            </a:effectRef>
+            <a:fontRef idx="minor">
+              <a:schemeClr val="lt1"/>
+            </a:fontRef>
+          </p:style>
+          <p:txBody>
+            <a:bodyPr rot="0" spcFirstLastPara="0" vertOverflow="overflow" horzOverflow="overflow" vert="horz" wrap="square" lIns="72000" tIns="72000" rIns="72000" bIns="72000" numCol="1" spcCol="0" rtlCol="0" fromWordArt="0" anchor="ctr" anchorCtr="0" forceAA="0" compatLnSpc="1">
+              <a:prstTxWarp prst="textNoShape">
+                <a:avLst/>
+              </a:prstTxWarp>
+              <a:noAutofit/>
+            </a:bodyPr>
+            <a:lstStyle/>
+            <a:p>
+              <a:pPr algn="ctr"/>
+              <a:r>
+                <a:rPr lang="de-DE" sz="2000" dirty="0"/>
+                <a:t>Transformieren</a:t>
+              </a:r>
+            </a:p>
+          </p:txBody>
+        </p:sp>
+        <p:sp>
+          <p:nvSpPr>
+            <p:cNvPr id="16" name="Rechteck 15">
+              <a:extLst>
+                <a:ext uri="{FF2B5EF4-FFF2-40B4-BE49-F238E27FC236}">
+                  <a16:creationId xmlns:a16="http://schemas.microsoft.com/office/drawing/2014/main" id="{1A82FADF-C492-4FA3-9981-FC9C46E635C3}"/>
+                </a:ext>
+              </a:extLst>
+            </p:cNvPr>
+            <p:cNvSpPr/>
+            <p:nvPr/>
+          </p:nvSpPr>
+          <p:spPr>
+            <a:xfrm>
+              <a:off x="7110660" y="3987631"/>
+              <a:ext cx="1756078" cy="914400"/>
+            </a:xfrm>
+            <a:prstGeom prst="rect">
+              <a:avLst/>
+            </a:prstGeom>
+            <a:ln>
+              <a:noFill/>
+            </a:ln>
+          </p:spPr>
+          <p:style>
+            <a:lnRef idx="2">
+              <a:schemeClr val="accent1">
+                <a:shade val="50000"/>
+              </a:schemeClr>
+            </a:lnRef>
+            <a:fillRef idx="1">
+              <a:schemeClr val="accent1"/>
+            </a:fillRef>
+            <a:effectRef idx="0">
+              <a:schemeClr val="accent1"/>
+            </a:effectRef>
+            <a:fontRef idx="minor">
+              <a:schemeClr val="lt1"/>
+            </a:fontRef>
+          </p:style>
+          <p:txBody>
+            <a:bodyPr rot="0" spcFirstLastPara="0" vertOverflow="overflow" horzOverflow="overflow" vert="horz" wrap="square" lIns="72000" tIns="72000" rIns="72000" bIns="72000" numCol="1" spcCol="0" rtlCol="0" fromWordArt="0" anchor="ctr" anchorCtr="0" forceAA="0" compatLnSpc="1">
+              <a:prstTxWarp prst="textNoShape">
+                <a:avLst/>
+              </a:prstTxWarp>
+              <a:noAutofit/>
+            </a:bodyPr>
+            <a:lstStyle/>
+            <a:p>
+              <a:pPr algn="ctr"/>
+              <a:r>
+                <a:rPr lang="de-DE" sz="2000" dirty="0"/>
+                <a:t>Visualisieren</a:t>
+              </a:r>
+            </a:p>
+          </p:txBody>
+        </p:sp>
+        <p:sp>
+          <p:nvSpPr>
+            <p:cNvPr id="18" name="Rechteck 17">
+              <a:extLst>
+                <a:ext uri="{FF2B5EF4-FFF2-40B4-BE49-F238E27FC236}">
+                  <a16:creationId xmlns:a16="http://schemas.microsoft.com/office/drawing/2014/main" id="{845B7B4A-4913-4826-9B23-73A9AB865D54}"/>
+                </a:ext>
+              </a:extLst>
+            </p:cNvPr>
+            <p:cNvSpPr/>
+            <p:nvPr/>
+          </p:nvSpPr>
+          <p:spPr>
+            <a:xfrm>
+              <a:off x="9038754" y="3073231"/>
+              <a:ext cx="1779301" cy="914400"/>
+            </a:xfrm>
+            <a:prstGeom prst="rect">
+              <a:avLst/>
+            </a:prstGeom>
+            <a:ln>
+              <a:noFill/>
+            </a:ln>
+          </p:spPr>
+          <p:style>
+            <a:lnRef idx="2">
+              <a:schemeClr val="accent1">
+                <a:shade val="50000"/>
+              </a:schemeClr>
+            </a:lnRef>
+            <a:fillRef idx="1">
+              <a:schemeClr val="accent1"/>
+            </a:fillRef>
+            <a:effectRef idx="0">
+              <a:schemeClr val="accent1"/>
+            </a:effectRef>
+            <a:fontRef idx="minor">
+              <a:schemeClr val="lt1"/>
+            </a:fontRef>
+          </p:style>
+          <p:txBody>
+            <a:bodyPr rot="0" spcFirstLastPara="0" vertOverflow="overflow" horzOverflow="overflow" vert="horz" wrap="square" lIns="72000" tIns="72000" rIns="72000" bIns="72000" numCol="1" spcCol="0" rtlCol="0" fromWordArt="0" anchor="ctr" anchorCtr="0" forceAA="0" compatLnSpc="1">
+              <a:prstTxWarp prst="textNoShape">
+                <a:avLst/>
+              </a:prstTxWarp>
+              <a:noAutofit/>
+            </a:bodyPr>
+            <a:lstStyle/>
+            <a:p>
+              <a:pPr algn="ctr"/>
+              <a:r>
+                <a:rPr lang="de-DE" sz="2000" dirty="0"/>
+                <a:t>Kommunizieren</a:t>
+              </a:r>
+            </a:p>
+          </p:txBody>
+        </p:sp>
+        <p:sp>
+          <p:nvSpPr>
+            <p:cNvPr id="5" name="Rechteck 4">
+              <a:extLst>
+                <a:ext uri="{FF2B5EF4-FFF2-40B4-BE49-F238E27FC236}">
+                  <a16:creationId xmlns:a16="http://schemas.microsoft.com/office/drawing/2014/main" id="{9C26E964-E5EE-497E-82C7-87EDD594141F}"/>
+                </a:ext>
+              </a:extLst>
+            </p:cNvPr>
+            <p:cNvSpPr/>
+            <p:nvPr/>
+          </p:nvSpPr>
+          <p:spPr>
+            <a:xfrm>
+              <a:off x="2252803" y="2158831"/>
+              <a:ext cx="1050202" cy="914400"/>
+            </a:xfrm>
+            <a:prstGeom prst="rect">
+              <a:avLst/>
+            </a:prstGeom>
+            <a:ln>
+              <a:noFill/>
+            </a:ln>
+          </p:spPr>
+          <p:style>
+            <a:lnRef idx="2">
+              <a:schemeClr val="accent1">
+                <a:shade val="50000"/>
+              </a:schemeClr>
+            </a:lnRef>
+            <a:fillRef idx="1">
+              <a:schemeClr val="accent1"/>
+            </a:fillRef>
+            <a:effectRef idx="0">
+              <a:schemeClr val="accent1"/>
+            </a:effectRef>
+            <a:fontRef idx="minor">
+              <a:schemeClr val="lt1"/>
+            </a:fontRef>
+          </p:style>
+          <p:txBody>
+            <a:bodyPr rot="0" spcFirstLastPara="0" vertOverflow="overflow" horzOverflow="overflow" vert="horz" wrap="square" lIns="72000" tIns="72000" rIns="72000" bIns="72000" numCol="1" spcCol="0" rtlCol="0" fromWordArt="0" anchor="ctr" anchorCtr="0" forceAA="0" compatLnSpc="1">
+              <a:prstTxWarp prst="textNoShape">
+                <a:avLst/>
+              </a:prstTxWarp>
+              <a:noAutofit/>
+            </a:bodyPr>
+            <a:lstStyle/>
+            <a:p>
+              <a:pPr algn="ctr"/>
+              <a:r>
+                <a:rPr lang="de-DE" sz="2000" dirty="0"/>
+                <a:t>Mergen</a:t>
+              </a:r>
+            </a:p>
+          </p:txBody>
+        </p:sp>
+        <p:sp>
+          <p:nvSpPr>
+            <p:cNvPr id="9" name="Rechteck 8">
+              <a:extLst>
+                <a:ext uri="{FF2B5EF4-FFF2-40B4-BE49-F238E27FC236}">
+                  <a16:creationId xmlns:a16="http://schemas.microsoft.com/office/drawing/2014/main" id="{FDCBD5F7-2160-4E40-A846-2406C32324C1}"/>
+                </a:ext>
+              </a:extLst>
+            </p:cNvPr>
+            <p:cNvSpPr/>
+            <p:nvPr/>
+          </p:nvSpPr>
+          <p:spPr>
+            <a:xfrm>
+              <a:off x="3459470" y="3078178"/>
+              <a:ext cx="1557196" cy="914400"/>
+            </a:xfrm>
+            <a:prstGeom prst="rect">
+              <a:avLst/>
+            </a:prstGeom>
+            <a:ln>
+              <a:noFill/>
+            </a:ln>
+          </p:spPr>
+          <p:style>
+            <a:lnRef idx="2">
+              <a:schemeClr val="accent1">
+                <a:shade val="50000"/>
+              </a:schemeClr>
+            </a:lnRef>
+            <a:fillRef idx="1">
+              <a:schemeClr val="accent1"/>
+            </a:fillRef>
+            <a:effectRef idx="0">
+              <a:schemeClr val="accent1"/>
+            </a:effectRef>
+            <a:fontRef idx="minor">
+              <a:schemeClr val="lt1"/>
+            </a:fontRef>
+          </p:style>
+          <p:txBody>
+            <a:bodyPr rot="0" spcFirstLastPara="0" vertOverflow="overflow" horzOverflow="overflow" vert="horz" wrap="square" lIns="72000" tIns="72000" rIns="72000" bIns="72000" numCol="1" spcCol="0" rtlCol="0" fromWordArt="0" anchor="ctr" anchorCtr="0" forceAA="0" compatLnSpc="1">
+              <a:prstTxWarp prst="textNoShape">
+                <a:avLst/>
+              </a:prstTxWarp>
+              <a:noAutofit/>
+            </a:bodyPr>
+            <a:lstStyle/>
+            <a:p>
+              <a:pPr algn="ctr"/>
+              <a:r>
+                <a:rPr lang="de-DE" sz="1600" dirty="0"/>
+                <a:t>Arbeitsdatensatz</a:t>
+              </a:r>
+            </a:p>
+            <a:p>
+              <a:pPr algn="ctr"/>
+              <a:r>
+                <a:rPr lang="de-DE" sz="1600" dirty="0"/>
+                <a:t>erstellen</a:t>
+              </a:r>
+            </a:p>
+          </p:txBody>
+        </p:sp>
+        <p:sp>
+          <p:nvSpPr>
+            <p:cNvPr id="11" name="Pfeil: nach rechts 10">
+              <a:extLst>
+                <a:ext uri="{FF2B5EF4-FFF2-40B4-BE49-F238E27FC236}">
+                  <a16:creationId xmlns:a16="http://schemas.microsoft.com/office/drawing/2014/main" id="{BEC7B42D-AF54-41B9-9547-01CE4507BD89}"/>
+                </a:ext>
+              </a:extLst>
+            </p:cNvPr>
+            <p:cNvSpPr/>
+            <p:nvPr/>
+          </p:nvSpPr>
+          <p:spPr>
+            <a:xfrm>
+              <a:off x="5414646" y="3306482"/>
+              <a:ext cx="5856918" cy="484632"/>
+            </a:xfrm>
+            <a:prstGeom prst="rightArrow">
+              <a:avLst/>
+            </a:prstGeom>
+            <a:noFill/>
+            <a:ln w="9525" cap="flat" cmpd="sng" algn="ctr">
+              <a:solidFill>
+                <a:schemeClr val="accent1"/>
+              </a:solidFill>
+              <a:prstDash val="solid"/>
+              <a:round/>
+              <a:headEnd type="none" w="med" len="med"/>
+              <a:tailEnd type="none" w="med" len="med"/>
+            </a:ln>
+          </p:spPr>
+          <p:style>
+            <a:lnRef idx="0">
+              <a:scrgbClr r="0" g="0" b="0"/>
+            </a:lnRef>
+            <a:fillRef idx="0">
+              <a:scrgbClr r="0" g="0" b="0"/>
+            </a:fillRef>
+            <a:effectRef idx="0">
+              <a:scrgbClr r="0" g="0" b="0"/>
+            </a:effectRef>
+            <a:fontRef idx="minor">
+              <a:schemeClr val="accent1"/>
+            </a:fontRef>
+          </p:style>
+          <p:txBody>
+            <a:bodyPr rot="0" spcFirstLastPara="0" vertOverflow="overflow" horzOverflow="overflow" vert="horz" wrap="square" lIns="72000" tIns="72000" rIns="72000" bIns="72000" numCol="1" spcCol="0" rtlCol="0" fromWordArt="0" anchor="ctr" anchorCtr="0" forceAA="0" compatLnSpc="1">
+              <a:prstTxWarp prst="textNoShape">
+                <a:avLst/>
+              </a:prstTxWarp>
+              <a:noAutofit/>
+            </a:bodyPr>
+            <a:lstStyle/>
+            <a:p>
+              <a:pPr algn="ctr"/>
+              <a:endParaRPr lang="de-DE" sz="2000" dirty="0"/>
+            </a:p>
+          </p:txBody>
+        </p:sp>
+      </p:grpSp>
+    </p:spTree>
+    <p:extLst>
+      <p:ext uri="{BB962C8B-B14F-4D97-AF65-F5344CB8AC3E}">
+        <p14:creationId xmlns:p14="http://schemas.microsoft.com/office/powerpoint/2010/main" val="3557172129"/>
       </p:ext>
     </p:extLst>
   </p:cSld>
